--- a/intro.pptx
+++ b/intro.pptx
@@ -9,6 +9,7 @@
     <p:sldId id="257" r:id="rId3"/>
     <p:sldId id="258" r:id="rId4"/>
     <p:sldId id="259" r:id="rId5"/>
+    <p:sldId id="260" r:id="rId6"/>
   </p:sldIdLst>
   <p:sldSz cx="12192000" cy="6858000"/>
   <p:notesSz cx="6858000" cy="9144000"/>
@@ -286,7 +287,7 @@
           <a:p>
             <a:fld id="{58D1ECAB-34A3-430F-A2F6-8ED358EFD86C}" type="datetimeFigureOut">
               <a:rPr lang="en-US" smtClean="0"/>
-              <a:t>2024-11-03</a:t>
+              <a:t>2024-11-05</a:t>
             </a:fld>
             <a:endParaRPr lang="en-US"/>
           </a:p>
@@ -598,7 +599,7 @@
           <a:p>
             <a:fld id="{58D1ECAB-34A3-430F-A2F6-8ED358EFD86C}" type="datetimeFigureOut">
               <a:rPr lang="en-US" smtClean="0"/>
-              <a:t>2024-11-03</a:t>
+              <a:t>2024-11-05</a:t>
             </a:fld>
             <a:endParaRPr lang="en-US"/>
           </a:p>
@@ -820,7 +821,7 @@
           <a:p>
             <a:fld id="{58D1ECAB-34A3-430F-A2F6-8ED358EFD86C}" type="datetimeFigureOut">
               <a:rPr lang="en-US" smtClean="0"/>
-              <a:t>2024-11-03</a:t>
+              <a:t>2024-11-05</a:t>
             </a:fld>
             <a:endParaRPr lang="en-US"/>
           </a:p>
@@ -1111,7 +1112,7 @@
           <a:p>
             <a:fld id="{58D1ECAB-34A3-430F-A2F6-8ED358EFD86C}" type="datetimeFigureOut">
               <a:rPr lang="en-US" smtClean="0"/>
-              <a:t>2024-11-03</a:t>
+              <a:t>2024-11-05</a:t>
             </a:fld>
             <a:endParaRPr lang="en-US"/>
           </a:p>
@@ -1565,7 +1566,7 @@
           <a:p>
             <a:fld id="{58D1ECAB-34A3-430F-A2F6-8ED358EFD86C}" type="datetimeFigureOut">
               <a:rPr lang="en-US" smtClean="0"/>
-              <a:t>2024-11-03</a:t>
+              <a:t>2024-11-05</a:t>
             </a:fld>
             <a:endParaRPr lang="en-US"/>
           </a:p>
@@ -2141,7 +2142,7 @@
           <a:p>
             <a:fld id="{58D1ECAB-34A3-430F-A2F6-8ED358EFD86C}" type="datetimeFigureOut">
               <a:rPr lang="en-US" smtClean="0"/>
-              <a:t>2024-11-03</a:t>
+              <a:t>2024-11-05</a:t>
             </a:fld>
             <a:endParaRPr lang="en-US"/>
           </a:p>
@@ -2993,7 +2994,7 @@
           <a:p>
             <a:fld id="{58D1ECAB-34A3-430F-A2F6-8ED358EFD86C}" type="datetimeFigureOut">
               <a:rPr lang="en-US" smtClean="0"/>
-              <a:t>2024-11-03</a:t>
+              <a:t>2024-11-05</a:t>
             </a:fld>
             <a:endParaRPr lang="en-US"/>
           </a:p>
@@ -3198,7 +3199,7 @@
           <a:p>
             <a:fld id="{58D1ECAB-34A3-430F-A2F6-8ED358EFD86C}" type="datetimeFigureOut">
               <a:rPr lang="en-US" smtClean="0"/>
-              <a:t>2024-11-03</a:t>
+              <a:t>2024-11-05</a:t>
             </a:fld>
             <a:endParaRPr lang="en-US"/>
           </a:p>
@@ -3412,7 +3413,7 @@
           <a:p>
             <a:fld id="{58D1ECAB-34A3-430F-A2F6-8ED358EFD86C}" type="datetimeFigureOut">
               <a:rPr lang="en-US" smtClean="0"/>
-              <a:t>2024-11-03</a:t>
+              <a:t>2024-11-05</a:t>
             </a:fld>
             <a:endParaRPr lang="en-US"/>
           </a:p>
@@ -3617,7 +3618,7 @@
           <a:p>
             <a:fld id="{58D1ECAB-34A3-430F-A2F6-8ED358EFD86C}" type="datetimeFigureOut">
               <a:rPr lang="en-US" smtClean="0"/>
-              <a:t>2024-11-03</a:t>
+              <a:t>2024-11-05</a:t>
             </a:fld>
             <a:endParaRPr lang="en-US"/>
           </a:p>
@@ -3897,7 +3898,7 @@
           <a:p>
             <a:fld id="{58D1ECAB-34A3-430F-A2F6-8ED358EFD86C}" type="datetimeFigureOut">
               <a:rPr lang="en-US" smtClean="0"/>
-              <a:t>2024-11-03</a:t>
+              <a:t>2024-11-05</a:t>
             </a:fld>
             <a:endParaRPr lang="en-US"/>
           </a:p>
@@ -4164,7 +4165,7 @@
           <a:p>
             <a:fld id="{58D1ECAB-34A3-430F-A2F6-8ED358EFD86C}" type="datetimeFigureOut">
               <a:rPr lang="en-US" smtClean="0"/>
-              <a:t>2024-11-03</a:t>
+              <a:t>2024-11-05</a:t>
             </a:fld>
             <a:endParaRPr lang="en-US"/>
           </a:p>
@@ -4579,7 +4580,7 @@
           <a:p>
             <a:fld id="{58D1ECAB-34A3-430F-A2F6-8ED358EFD86C}" type="datetimeFigureOut">
               <a:rPr lang="en-US" smtClean="0"/>
-              <a:t>2024-11-03</a:t>
+              <a:t>2024-11-05</a:t>
             </a:fld>
             <a:endParaRPr lang="en-US"/>
           </a:p>
@@ -4727,7 +4728,7 @@
           <a:p>
             <a:fld id="{58D1ECAB-34A3-430F-A2F6-8ED358EFD86C}" type="datetimeFigureOut">
               <a:rPr lang="en-US" smtClean="0"/>
-              <a:t>2024-11-03</a:t>
+              <a:t>2024-11-05</a:t>
             </a:fld>
             <a:endParaRPr lang="en-US"/>
           </a:p>
@@ -4852,7 +4853,7 @@
           <a:p>
             <a:fld id="{58D1ECAB-34A3-430F-A2F6-8ED358EFD86C}" type="datetimeFigureOut">
               <a:rPr lang="en-US" smtClean="0"/>
-              <a:t>2024-11-03</a:t>
+              <a:t>2024-11-05</a:t>
             </a:fld>
             <a:endParaRPr lang="en-US"/>
           </a:p>
@@ -5131,7 +5132,7 @@
           <a:p>
             <a:fld id="{58D1ECAB-34A3-430F-A2F6-8ED358EFD86C}" type="datetimeFigureOut">
               <a:rPr lang="en-US" smtClean="0"/>
-              <a:t>2024-11-03</a:t>
+              <a:t>2024-11-05</a:t>
             </a:fld>
             <a:endParaRPr lang="en-US"/>
           </a:p>
@@ -5443,7 +5444,7 @@
           <a:p>
             <a:fld id="{58D1ECAB-34A3-430F-A2F6-8ED358EFD86C}" type="datetimeFigureOut">
               <a:rPr lang="en-US" smtClean="0"/>
-              <a:t>2024-11-03</a:t>
+              <a:t>2024-11-05</a:t>
             </a:fld>
             <a:endParaRPr lang="en-US"/>
           </a:p>
@@ -5696,7 +5697,7 @@
           <a:p>
             <a:fld id="{58D1ECAB-34A3-430F-A2F6-8ED358EFD86C}" type="datetimeFigureOut">
               <a:rPr lang="en-US" smtClean="0"/>
-              <a:t>2024-11-03</a:t>
+              <a:t>2024-11-05</a:t>
             </a:fld>
             <a:endParaRPr lang="en-US"/>
           </a:p>
@@ -6162,13 +6163,15 @@
           <a:lstStyle/>
           <a:p>
             <a:r>
-              <a:rPr lang="fa-IR" dirty="0">
-                <a:cs typeface="B Titr" panose="00000700000000000000" pitchFamily="2" charset="-78"/>
+              <a:rPr lang="fa-IR" b="1" dirty="0">
+                <a:latin typeface="Sahel" panose="020B0603030804020204" pitchFamily="34" charset="-78"/>
+                <a:cs typeface="Sahel" panose="020B0603030804020204" pitchFamily="34" charset="-78"/>
               </a:rPr>
               <a:t>ربات های معامله گر با پایتون</a:t>
             </a:r>
-            <a:endParaRPr lang="en-US" dirty="0">
-              <a:cs typeface="B Titr" panose="00000700000000000000" pitchFamily="2" charset="-78"/>
+            <a:endParaRPr lang="en-US" b="1" dirty="0">
+              <a:latin typeface="Sahel" panose="020B0603030804020204" pitchFamily="34" charset="-78"/>
+              <a:cs typeface="Sahel" panose="020B0603030804020204" pitchFamily="34" charset="-78"/>
             </a:endParaRPr>
           </a:p>
         </p:txBody>
@@ -6299,13 +6302,15 @@
           <a:lstStyle/>
           <a:p>
             <a:r>
-              <a:rPr lang="fa-IR" dirty="0">
-                <a:cs typeface="B Koodak" panose="00000700000000000000" pitchFamily="2" charset="-78"/>
+              <a:rPr lang="fa-IR" b="1" dirty="0">
+                <a:latin typeface="Sahel" panose="020B0603030804020204" pitchFamily="34" charset="-78"/>
+                <a:cs typeface="Sahel" panose="020B0603030804020204" pitchFamily="34" charset="-78"/>
               </a:rPr>
-              <a:t>از کجا شروع کنیم؟</a:t>
-            </a:r>
-            <a:endParaRPr lang="en-US" dirty="0">
-              <a:cs typeface="B Koodak" panose="00000700000000000000" pitchFamily="2" charset="-78"/>
+              <a:t>برای پایتون از کجا شروع کنیم؟</a:t>
+            </a:r>
+            <a:endParaRPr lang="en-US" b="1" dirty="0">
+              <a:latin typeface="Sahel" panose="020B0603030804020204" pitchFamily="34" charset="-78"/>
+              <a:cs typeface="Sahel" panose="020B0603030804020204" pitchFamily="34" charset="-78"/>
             </a:endParaRPr>
           </a:p>
         </p:txBody>
@@ -6336,37 +6341,43 @@
             <a:pPr algn="r" rtl="1"/>
             <a:r>
               <a:rPr lang="fa-IR" sz="2400" dirty="0">
-                <a:cs typeface="B Koodak" panose="00000700000000000000" pitchFamily="2" charset="-78"/>
+                <a:latin typeface="Sahel" panose="020B0603030804020204" pitchFamily="34" charset="-78"/>
+                <a:cs typeface="Sahel" panose="020B0603030804020204" pitchFamily="34" charset="-78"/>
               </a:rPr>
               <a:t>دوره پایتون مقدماتی جادی </a:t>
             </a:r>
             <a:r>
               <a:rPr lang="en-US" sz="2400" dirty="0">
-                <a:cs typeface="B Koodak" panose="00000700000000000000" pitchFamily="2" charset="-78"/>
+                <a:latin typeface="Sahel" panose="020B0603030804020204" pitchFamily="34" charset="-78"/>
+                <a:cs typeface="Sahel" panose="020B0603030804020204" pitchFamily="34" charset="-78"/>
               </a:rPr>
               <a:t> -</a:t>
             </a:r>
             <a:r>
               <a:rPr lang="fa-IR" sz="2400" dirty="0">
-                <a:cs typeface="B Koodak" panose="00000700000000000000" pitchFamily="2" charset="-78"/>
+                <a:latin typeface="Sahel" panose="020B0603030804020204" pitchFamily="34" charset="-78"/>
+                <a:cs typeface="Sahel" panose="020B0603030804020204" pitchFamily="34" charset="-78"/>
               </a:rPr>
               <a:t>مکتب خونه</a:t>
             </a:r>
             <a:endParaRPr lang="en-US" sz="2400" dirty="0">
-              <a:cs typeface="B Koodak" panose="00000700000000000000" pitchFamily="2" charset="-78"/>
+              <a:latin typeface="Sahel" panose="020B0603030804020204" pitchFamily="34" charset="-78"/>
+              <a:cs typeface="Sahel" panose="020B0603030804020204" pitchFamily="34" charset="-78"/>
             </a:endParaRPr>
           </a:p>
           <a:p>
             <a:pPr algn="r" rtl="1"/>
             <a:r>
               <a:rPr lang="fa-IR" sz="2400" dirty="0">
-                <a:cs typeface="B Koodak" panose="00000700000000000000" pitchFamily="2" charset="-78"/>
+                <a:latin typeface="Sahel" panose="020B0603030804020204" pitchFamily="34" charset="-78"/>
+                <a:cs typeface="Sahel" panose="020B0603030804020204" pitchFamily="34" charset="-78"/>
               </a:rPr>
               <a:t>کتابخانه پانداس </a:t>
             </a:r>
             <a:r>
               <a:rPr lang="en-US" sz="2400" cap="none" dirty="0">
-                <a:cs typeface="B Koodak" panose="00000700000000000000" pitchFamily="2" charset="-78"/>
+                <a:latin typeface="Sahel" panose="020B0603030804020204" pitchFamily="34" charset="-78"/>
+                <a:cs typeface="Sahel" panose="020B0603030804020204" pitchFamily="34" charset="-78"/>
               </a:rPr>
               <a:t>Pandas</a:t>
             </a:r>
@@ -6375,48 +6386,56 @@
             <a:pPr algn="r" rtl="1"/>
             <a:r>
               <a:rPr lang="fa-IR" sz="2400" dirty="0">
-                <a:cs typeface="B Koodak" panose="00000700000000000000" pitchFamily="2" charset="-78"/>
+                <a:latin typeface="Sahel" panose="020B0603030804020204" pitchFamily="34" charset="-78"/>
+                <a:cs typeface="Sahel" panose="020B0603030804020204" pitchFamily="34" charset="-78"/>
               </a:rPr>
               <a:t>کتابخانه نامپای </a:t>
             </a:r>
             <a:r>
               <a:rPr lang="en-US" sz="2400" cap="none" dirty="0" err="1">
-                <a:cs typeface="B Koodak" panose="00000700000000000000" pitchFamily="2" charset="-78"/>
+                <a:latin typeface="Sahel" panose="020B0603030804020204" pitchFamily="34" charset="-78"/>
+                <a:cs typeface="Sahel" panose="020B0603030804020204" pitchFamily="34" charset="-78"/>
               </a:rPr>
               <a:t>Numpy</a:t>
             </a:r>
             <a:endParaRPr lang="en-US" sz="2400" cap="none" dirty="0">
-              <a:cs typeface="B Koodak" panose="00000700000000000000" pitchFamily="2" charset="-78"/>
+              <a:latin typeface="Sahel" panose="020B0603030804020204" pitchFamily="34" charset="-78"/>
+              <a:cs typeface="Sahel" panose="020B0603030804020204" pitchFamily="34" charset="-78"/>
             </a:endParaRPr>
           </a:p>
           <a:p>
             <a:pPr algn="r" rtl="1"/>
             <a:r>
               <a:rPr lang="fa-IR" sz="2400" dirty="0">
-                <a:cs typeface="B Koodak" panose="00000700000000000000" pitchFamily="2" charset="-78"/>
+                <a:latin typeface="Sahel" panose="020B0603030804020204" pitchFamily="34" charset="-78"/>
+                <a:cs typeface="Sahel" panose="020B0603030804020204" pitchFamily="34" charset="-78"/>
               </a:rPr>
               <a:t>رسم نمودار </a:t>
             </a:r>
             <a:r>
               <a:rPr lang="en-US" sz="2400" cap="none" dirty="0" err="1">
-                <a:cs typeface="B Koodak" panose="00000700000000000000" pitchFamily="2" charset="-78"/>
+                <a:latin typeface="Sahel" panose="020B0603030804020204" pitchFamily="34" charset="-78"/>
+                <a:cs typeface="Sahel" panose="020B0603030804020204" pitchFamily="34" charset="-78"/>
               </a:rPr>
               <a:t>Mplfinance</a:t>
             </a:r>
             <a:r>
               <a:rPr lang="en-US" sz="2400" dirty="0">
-                <a:cs typeface="B Koodak" panose="00000700000000000000" pitchFamily="2" charset="-78"/>
+                <a:latin typeface="Sahel" panose="020B0603030804020204" pitchFamily="34" charset="-78"/>
+                <a:cs typeface="Sahel" panose="020B0603030804020204" pitchFamily="34" charset="-78"/>
               </a:rPr>
               <a:t> , </a:t>
             </a:r>
             <a:r>
               <a:rPr lang="en-US" sz="2400" cap="none" dirty="0">
-                <a:cs typeface="B Koodak" panose="00000700000000000000" pitchFamily="2" charset="-78"/>
+                <a:latin typeface="Sahel" panose="020B0603030804020204" pitchFamily="34" charset="-78"/>
+                <a:cs typeface="Sahel" panose="020B0603030804020204" pitchFamily="34" charset="-78"/>
               </a:rPr>
               <a:t>Matplotlib</a:t>
             </a:r>
             <a:endParaRPr lang="fa-IR" sz="2400" dirty="0">
-              <a:cs typeface="B Koodak" panose="00000700000000000000" pitchFamily="2" charset="-78"/>
+              <a:latin typeface="Sahel" panose="020B0603030804020204" pitchFamily="34" charset="-78"/>
+              <a:cs typeface="Sahel" panose="020B0603030804020204" pitchFamily="34" charset="-78"/>
             </a:endParaRPr>
           </a:p>
         </p:txBody>
@@ -6473,13 +6492,15 @@
           <a:lstStyle/>
           <a:p>
             <a:r>
-              <a:rPr lang="fa-IR" dirty="0">
-                <a:cs typeface="B Koodak" panose="00000700000000000000" pitchFamily="2" charset="-78"/>
+              <a:rPr lang="fa-IR" b="1" dirty="0">
+                <a:latin typeface="Sahel" panose="020B0603030804020204" pitchFamily="34" charset="-78"/>
+                <a:cs typeface="Sahel" panose="020B0603030804020204" pitchFamily="34" charset="-78"/>
               </a:rPr>
-              <a:t>از کجا شروع کنیم؟</a:t>
-            </a:r>
-            <a:endParaRPr lang="en-US" dirty="0">
-              <a:cs typeface="B Koodak" panose="00000700000000000000" pitchFamily="2" charset="-78"/>
+              <a:t>برای بازارهای مالی از کجا شروع کنیم؟</a:t>
+            </a:r>
+            <a:endParaRPr lang="en-US" b="1" dirty="0">
+              <a:latin typeface="Sahel" panose="020B0603030804020204" pitchFamily="34" charset="-78"/>
+              <a:cs typeface="Sahel" panose="020B0603030804020204" pitchFamily="34" charset="-78"/>
             </a:endParaRPr>
           </a:p>
         </p:txBody>
@@ -6508,7 +6529,8 @@
             <a:pPr algn="r" rtl="1"/>
             <a:r>
               <a:rPr lang="fa-IR" sz="2400" dirty="0">
-                <a:cs typeface="B Koodak" panose="00000700000000000000" pitchFamily="2" charset="-78"/>
+                <a:latin typeface="Sahel" panose="020B0603030804020204" pitchFamily="34" charset="-78"/>
+                <a:cs typeface="Sahel" panose="020B0603030804020204" pitchFamily="34" charset="-78"/>
               </a:rPr>
               <a:t>آموزش بازارهای مالی مثل رمزارزها یا فارکس</a:t>
             </a:r>
@@ -6517,7 +6539,8 @@
             <a:pPr lvl="1" algn="r" rtl="1"/>
             <a:r>
               <a:rPr lang="fa-IR" sz="2400" dirty="0">
-                <a:cs typeface="B Koodak" panose="00000700000000000000" pitchFamily="2" charset="-78"/>
+                <a:latin typeface="Sahel" panose="020B0603030804020204" pitchFamily="34" charset="-78"/>
+                <a:cs typeface="Sahel" panose="020B0603030804020204" pitchFamily="34" charset="-78"/>
               </a:rPr>
               <a:t>آموزش ارزهای دیجیتال و رمزارزها و اصول سرمایه گذاری در این بازار – مقدماتی (فرادرس)</a:t>
             </a:r>
@@ -6526,35 +6549,43 @@
             <a:pPr lvl="1" algn="r" rtl="1"/>
             <a:r>
               <a:rPr lang="fa-IR" sz="2400" dirty="0">
-                <a:cs typeface="B Koodak" panose="00000700000000000000" pitchFamily="2" charset="-78"/>
+                <a:latin typeface="Sahel" panose="020B0603030804020204" pitchFamily="34" charset="-78"/>
+                <a:cs typeface="Sahel" panose="020B0603030804020204" pitchFamily="34" charset="-78"/>
               </a:rPr>
               <a:t>آموزش جامع معامله‌گری و تحلیل تکنیکال ارزهای دیجیتال</a:t>
             </a:r>
             <a:endParaRPr lang="en-US" sz="2400" dirty="0">
-              <a:cs typeface="B Koodak" panose="00000700000000000000" pitchFamily="2" charset="-78"/>
+              <a:latin typeface="Sahel" panose="020B0603030804020204" pitchFamily="34" charset="-78"/>
+              <a:cs typeface="Sahel" panose="020B0603030804020204" pitchFamily="34" charset="-78"/>
             </a:endParaRPr>
           </a:p>
           <a:p>
             <a:pPr lvl="1" algn="r" rtl="1"/>
             <a:endParaRPr lang="en-US" sz="2400" dirty="0">
-              <a:cs typeface="B Koodak" panose="00000700000000000000" pitchFamily="2" charset="-78"/>
+              <a:latin typeface="Sahel" panose="020B0603030804020204" pitchFamily="34" charset="-78"/>
+              <a:cs typeface="Sahel" panose="020B0603030804020204" pitchFamily="34" charset="-78"/>
             </a:endParaRPr>
           </a:p>
           <a:p>
             <a:pPr lvl="1" algn="r" rtl="1"/>
             <a:endParaRPr lang="en-US" sz="2200" dirty="0">
-              <a:cs typeface="B Koodak" panose="00000700000000000000" pitchFamily="2" charset="-78"/>
+              <a:latin typeface="Sahel" panose="020B0603030804020204" pitchFamily="34" charset="-78"/>
+              <a:cs typeface="Sahel" panose="020B0603030804020204" pitchFamily="34" charset="-78"/>
             </a:endParaRPr>
           </a:p>
           <a:p>
             <a:pPr algn="r" rtl="1"/>
             <a:endParaRPr lang="en-US" sz="2000" dirty="0">
-              <a:cs typeface="B Koodak" panose="00000700000000000000" pitchFamily="2" charset="-78"/>
+              <a:latin typeface="Sahel" panose="020B0603030804020204" pitchFamily="34" charset="-78"/>
+              <a:cs typeface="Sahel" panose="020B0603030804020204" pitchFamily="34" charset="-78"/>
             </a:endParaRPr>
           </a:p>
           <a:p>
             <a:pPr algn="r" rtl="1"/>
-            <a:endParaRPr lang="en-US" dirty="0"/>
+            <a:endParaRPr lang="en-US" dirty="0">
+              <a:latin typeface="Sahel" panose="020B0603030804020204" pitchFamily="34" charset="-78"/>
+              <a:cs typeface="Sahel" panose="020B0603030804020204" pitchFamily="34" charset="-78"/>
+            </a:endParaRPr>
           </a:p>
         </p:txBody>
       </p:sp>
@@ -6610,13 +6641,15 @@
           <a:lstStyle/>
           <a:p>
             <a:r>
-              <a:rPr lang="fa-IR" dirty="0">
-                <a:cs typeface="B Koodak" panose="00000700000000000000" pitchFamily="2" charset="-78"/>
+              <a:rPr lang="fa-IR" b="1" dirty="0">
+                <a:latin typeface="Sahel" panose="020B0603030804020204" pitchFamily="34" charset="-78"/>
+                <a:cs typeface="Sahel" panose="020B0603030804020204" pitchFamily="34" charset="-78"/>
               </a:rPr>
               <a:t>تلفیق پایتون و بازارهای مالی</a:t>
             </a:r>
-            <a:endParaRPr lang="en-US" dirty="0">
-              <a:cs typeface="B Koodak" panose="00000700000000000000" pitchFamily="2" charset="-78"/>
+            <a:endParaRPr lang="en-US" b="1" dirty="0">
+              <a:latin typeface="Sahel" panose="020B0603030804020204" pitchFamily="34" charset="-78"/>
+              <a:cs typeface="Sahel" panose="020B0603030804020204" pitchFamily="34" charset="-78"/>
             </a:endParaRPr>
           </a:p>
         </p:txBody>
@@ -6647,19 +6680,22 @@
             <a:pPr algn="r" rtl="1"/>
             <a:r>
               <a:rPr lang="fa-IR" sz="2400" dirty="0">
-                <a:cs typeface="B Koodak" panose="00000700000000000000" pitchFamily="2" charset="-78"/>
+                <a:latin typeface="Sahel" panose="020B0603030804020204" pitchFamily="34" charset="-78"/>
+                <a:cs typeface="Sahel" panose="020B0603030804020204" pitchFamily="34" charset="-78"/>
               </a:rPr>
               <a:t>استفاده از </a:t>
             </a:r>
             <a:r>
               <a:rPr lang="en-US" sz="2400" dirty="0" err="1">
-                <a:cs typeface="B Koodak" panose="00000700000000000000" pitchFamily="2" charset="-78"/>
+                <a:latin typeface="Sahel" panose="020B0603030804020204" pitchFamily="34" charset="-78"/>
+                <a:cs typeface="Sahel" panose="020B0603030804020204" pitchFamily="34" charset="-78"/>
               </a:rPr>
               <a:t>api</a:t>
             </a:r>
             <a:r>
               <a:rPr lang="fa-IR" sz="2400" dirty="0">
-                <a:cs typeface="B Koodak" panose="00000700000000000000" pitchFamily="2" charset="-78"/>
+                <a:latin typeface="Sahel" panose="020B0603030804020204" pitchFamily="34" charset="-78"/>
+                <a:cs typeface="Sahel" panose="020B0603030804020204" pitchFamily="34" charset="-78"/>
               </a:rPr>
               <a:t> صرافی ها</a:t>
             </a:r>
@@ -6668,12 +6704,14 @@
             <a:pPr algn="r" rtl="1"/>
             <a:r>
               <a:rPr lang="fa-IR" sz="2400" dirty="0">
-                <a:cs typeface="B Koodak" panose="00000700000000000000" pitchFamily="2" charset="-78"/>
+                <a:latin typeface="Sahel" panose="020B0603030804020204" pitchFamily="34" charset="-78"/>
+                <a:cs typeface="Sahel" panose="020B0603030804020204" pitchFamily="34" charset="-78"/>
               </a:rPr>
               <a:t>استفاده از نرم افزار متاتریدر</a:t>
             </a:r>
             <a:endParaRPr lang="en-US" sz="2400" dirty="0">
-              <a:cs typeface="B Koodak" panose="00000700000000000000" pitchFamily="2" charset="-78"/>
+              <a:latin typeface="Sahel" panose="020B0603030804020204" pitchFamily="34" charset="-78"/>
+              <a:cs typeface="Sahel" panose="020B0603030804020204" pitchFamily="34" charset="-78"/>
             </a:endParaRPr>
           </a:p>
         </p:txBody>
@@ -6682,6 +6720,154 @@
     <p:extLst>
       <p:ext uri="{BB962C8B-B14F-4D97-AF65-F5344CB8AC3E}">
         <p14:creationId xmlns:p14="http://schemas.microsoft.com/office/powerpoint/2010/main" val="4158302793"/>
+      </p:ext>
+    </p:extLst>
+  </p:cSld>
+  <p:clrMapOvr>
+    <a:masterClrMapping/>
+  </p:clrMapOvr>
+</p:sld>
+</file>
+
+<file path=ppt/slides/slide5.xml><?xml version="1.0" encoding="utf-8"?>
+<p:sld xmlns:a="http://schemas.openxmlformats.org/drawingml/2006/main" xmlns:r="http://schemas.openxmlformats.org/officeDocument/2006/relationships" xmlns:p="http://schemas.openxmlformats.org/presentationml/2006/main">
+  <p:cSld>
+    <p:spTree>
+      <p:nvGrpSpPr>
+        <p:cNvPr id="1" name=""/>
+        <p:cNvGrpSpPr/>
+        <p:nvPr/>
+      </p:nvGrpSpPr>
+      <p:grpSpPr>
+        <a:xfrm>
+          <a:off x="0" y="0"/>
+          <a:ext cx="0" cy="0"/>
+          <a:chOff x="0" y="0"/>
+          <a:chExt cx="0" cy="0"/>
+        </a:xfrm>
+      </p:grpSpPr>
+      <p:sp>
+        <p:nvSpPr>
+          <p:cNvPr id="2" name="Title 1">
+            <a:extLst>
+              <a:ext uri="{FF2B5EF4-FFF2-40B4-BE49-F238E27FC236}">
+                <a16:creationId xmlns:a16="http://schemas.microsoft.com/office/drawing/2014/main" id="{5BC23C0E-5BD8-5966-F600-F1CE66A0CD3E}"/>
+              </a:ext>
+            </a:extLst>
+          </p:cNvPr>
+          <p:cNvSpPr>
+            <a:spLocks noGrp="1"/>
+          </p:cNvSpPr>
+          <p:nvPr>
+            <p:ph type="title"/>
+          </p:nvPr>
+        </p:nvSpPr>
+        <p:spPr/>
+        <p:txBody>
+          <a:bodyPr/>
+          <a:lstStyle/>
+          <a:p>
+            <a:r>
+              <a:rPr lang="fa-IR" b="1" dirty="0">
+                <a:latin typeface="Sahel" panose="020B0603030804020204" pitchFamily="34" charset="-78"/>
+                <a:cs typeface="Sahel" panose="020B0603030804020204" pitchFamily="34" charset="-78"/>
+              </a:rPr>
+              <a:t>و در ادامه چه خواهیم داشت</a:t>
+            </a:r>
+            <a:endParaRPr lang="en-US" b="1" dirty="0">
+              <a:latin typeface="Sahel" panose="020B0603030804020204" pitchFamily="34" charset="-78"/>
+              <a:cs typeface="Sahel" panose="020B0603030804020204" pitchFamily="34" charset="-78"/>
+            </a:endParaRPr>
+          </a:p>
+        </p:txBody>
+      </p:sp>
+      <p:sp>
+        <p:nvSpPr>
+          <p:cNvPr id="3" name="Content Placeholder 2">
+            <a:extLst>
+              <a:ext uri="{FF2B5EF4-FFF2-40B4-BE49-F238E27FC236}">
+                <a16:creationId xmlns:a16="http://schemas.microsoft.com/office/drawing/2014/main" id="{B64EF6AD-92F8-59C9-5BDE-27684EAD83BD}"/>
+              </a:ext>
+            </a:extLst>
+          </p:cNvPr>
+          <p:cNvSpPr>
+            <a:spLocks noGrp="1"/>
+          </p:cNvSpPr>
+          <p:nvPr>
+            <p:ph sz="quarter" idx="13"/>
+          </p:nvPr>
+        </p:nvSpPr>
+        <p:spPr/>
+        <p:txBody>
+          <a:bodyPr>
+            <a:normAutofit/>
+          </a:bodyPr>
+          <a:lstStyle/>
+          <a:p>
+            <a:pPr algn="r" rtl="1"/>
+            <a:r>
+              <a:rPr lang="fa-IR" sz="2400" dirty="0">
+                <a:latin typeface="Sahel" panose="020B0603030804020204" pitchFamily="34" charset="-78"/>
+                <a:cs typeface="Sahel" panose="020B0603030804020204" pitchFamily="34" charset="-78"/>
+              </a:rPr>
+              <a:t>یک کلاس جامع برای خواندن اطلاعات و ثبت سفارش ها</a:t>
+            </a:r>
+          </a:p>
+          <a:p>
+            <a:pPr algn="r" rtl="1"/>
+            <a:r>
+              <a:rPr lang="fa-IR" sz="2400" dirty="0">
+                <a:latin typeface="Sahel" panose="020B0603030804020204" pitchFamily="34" charset="-78"/>
+                <a:cs typeface="Sahel" panose="020B0603030804020204" pitchFamily="34" charset="-78"/>
+              </a:rPr>
+              <a:t>یک ربات معامله گر</a:t>
+            </a:r>
+          </a:p>
+          <a:p>
+            <a:pPr algn="r" rtl="1"/>
+            <a:r>
+              <a:rPr lang="fa-IR" sz="2400" dirty="0">
+                <a:latin typeface="Sahel" panose="020B0603030804020204" pitchFamily="34" charset="-78"/>
+                <a:cs typeface="Sahel" panose="020B0603030804020204" pitchFamily="34" charset="-78"/>
+              </a:rPr>
+              <a:t>پیاده سازی استراتژی های مختلف</a:t>
+            </a:r>
+          </a:p>
+          <a:p>
+            <a:pPr algn="r" rtl="1"/>
+            <a:r>
+              <a:rPr lang="fa-IR" sz="2400" dirty="0">
+                <a:latin typeface="Sahel" panose="020B0603030804020204" pitchFamily="34" charset="-78"/>
+                <a:cs typeface="Sahel" panose="020B0603030804020204" pitchFamily="34" charset="-78"/>
+              </a:rPr>
+              <a:t>پیاده سازی تست استراتژی</a:t>
+            </a:r>
+          </a:p>
+          <a:p>
+            <a:pPr algn="r" rtl="1"/>
+            <a:r>
+              <a:rPr lang="fa-IR" sz="2400" dirty="0">
+                <a:latin typeface="Sahel" panose="020B0603030804020204" pitchFamily="34" charset="-78"/>
+                <a:cs typeface="Sahel" panose="020B0603030804020204" pitchFamily="34" charset="-78"/>
+              </a:rPr>
+              <a:t>اجرای ربات در سرور</a:t>
+            </a:r>
+          </a:p>
+          <a:p>
+            <a:pPr marL="0" indent="0" algn="r" rtl="1">
+              <a:buNone/>
+            </a:pPr>
+            <a:endParaRPr lang="en-US" sz="2400" dirty="0">
+              <a:latin typeface="Sahel" panose="020B0603030804020204" pitchFamily="34" charset="-78"/>
+              <a:cs typeface="Sahel" panose="020B0603030804020204" pitchFamily="34" charset="-78"/>
+            </a:endParaRPr>
+          </a:p>
+        </p:txBody>
+      </p:sp>
+    </p:spTree>
+    <p:extLst>
+      <p:ext uri="{BB962C8B-B14F-4D97-AF65-F5344CB8AC3E}">
+        <p14:creationId xmlns:p14="http://schemas.microsoft.com/office/powerpoint/2010/main" val="2755367913"/>
       </p:ext>
     </p:extLst>
   </p:cSld>
